--- a/산학분반1탬_블랙 메사 중간발표.pptx
+++ b/산학분반1탬_블랙 메사 중간발표.pptx
@@ -308,7 +308,7 @@
           <a:p>
             <a:fld id="{F8166F1F-CE9B-4651-A6AA-CD717754106B}" type="datetimeFigureOut">
               <a:rPr lang="en-US" smtClean="0"/>
-              <a:t>5/24/2022</a:t>
+              <a:t>5/26/2022</a:t>
             </a:fld>
             <a:endParaRPr lang="en-US"/>
           </a:p>
@@ -471,7 +471,7 @@
           <a:p>
             <a:fld id="{A76116CE-C4A3-4A05-B2D7-7C2E9A889C0F}" type="datetimeFigureOut">
               <a:rPr lang="en-US" smtClean="0"/>
-              <a:t>5/24/2022</a:t>
+              <a:t>5/26/2022</a:t>
             </a:fld>
             <a:endParaRPr lang="en-US"/>
           </a:p>
@@ -644,7 +644,7 @@
           <a:p>
             <a:fld id="{A76116CE-C4A3-4A05-B2D7-7C2E9A889C0F}" type="datetimeFigureOut">
               <a:rPr lang="en-US" smtClean="0"/>
-              <a:t>5/24/2022</a:t>
+              <a:t>5/26/2022</a:t>
             </a:fld>
             <a:endParaRPr lang="en-US"/>
           </a:p>
@@ -809,7 +809,7 @@
           <a:p>
             <a:fld id="{A76116CE-C4A3-4A05-B2D7-7C2E9A889C0F}" type="datetimeFigureOut">
               <a:rPr lang="en-US" smtClean="0"/>
-              <a:t>5/24/2022</a:t>
+              <a:t>5/26/2022</a:t>
             </a:fld>
             <a:endParaRPr lang="en-US"/>
           </a:p>
@@ -1049,7 +1049,7 @@
           <a:p>
             <a:fld id="{A76116CE-C4A3-4A05-B2D7-7C2E9A889C0F}" type="datetimeFigureOut">
               <a:rPr lang="en-US" smtClean="0"/>
-              <a:t>5/24/2022</a:t>
+              <a:t>5/26/2022</a:t>
             </a:fld>
             <a:endParaRPr lang="en-US"/>
           </a:p>
@@ -1329,7 +1329,7 @@
           <a:p>
             <a:fld id="{A76116CE-C4A3-4A05-B2D7-7C2E9A889C0F}" type="datetimeFigureOut">
               <a:rPr lang="en-US" smtClean="0"/>
-              <a:t>5/24/2022</a:t>
+              <a:t>5/26/2022</a:t>
             </a:fld>
             <a:endParaRPr lang="en-US"/>
           </a:p>
@@ -1743,7 +1743,7 @@
           <a:p>
             <a:fld id="{A76116CE-C4A3-4A05-B2D7-7C2E9A889C0F}" type="datetimeFigureOut">
               <a:rPr lang="en-US" smtClean="0"/>
-              <a:t>5/24/2022</a:t>
+              <a:t>5/26/2022</a:t>
             </a:fld>
             <a:endParaRPr lang="en-US"/>
           </a:p>
@@ -1855,7 +1855,7 @@
           <a:p>
             <a:fld id="{A76116CE-C4A3-4A05-B2D7-7C2E9A889C0F}" type="datetimeFigureOut">
               <a:rPr lang="en-US" smtClean="0"/>
-              <a:t>5/24/2022</a:t>
+              <a:t>5/26/2022</a:t>
             </a:fld>
             <a:endParaRPr lang="en-US"/>
           </a:p>
@@ -1945,7 +1945,7 @@
           <a:p>
             <a:fld id="{A76116CE-C4A3-4A05-B2D7-7C2E9A889C0F}" type="datetimeFigureOut">
               <a:rPr lang="en-US" smtClean="0"/>
-              <a:t>5/24/2022</a:t>
+              <a:t>5/26/2022</a:t>
             </a:fld>
             <a:endParaRPr lang="en-US"/>
           </a:p>
@@ -2215,7 +2215,7 @@
           <a:p>
             <a:fld id="{A76116CE-C4A3-4A05-B2D7-7C2E9A889C0F}" type="datetimeFigureOut">
               <a:rPr lang="en-US" smtClean="0"/>
-              <a:t>5/24/2022</a:t>
+              <a:t>5/26/2022</a:t>
             </a:fld>
             <a:endParaRPr lang="en-US"/>
           </a:p>
@@ -2462,7 +2462,7 @@
           <a:p>
             <a:fld id="{A76116CE-C4A3-4A05-B2D7-7C2E9A889C0F}" type="datetimeFigureOut">
               <a:rPr lang="en-US" smtClean="0"/>
-              <a:t>5/24/2022</a:t>
+              <a:t>5/26/2022</a:t>
             </a:fld>
             <a:endParaRPr lang="en-US"/>
           </a:p>
@@ -2668,7 +2668,7 @@
           <a:p>
             <a:fld id="{F8166F1F-CE9B-4651-A6AA-CD717754106B}" type="datetimeFigureOut">
               <a:rPr lang="en-US" smtClean="0"/>
-              <a:t>5/24/2022</a:t>
+              <a:t>5/26/2022</a:t>
             </a:fld>
             <a:endParaRPr lang="en-US"/>
           </a:p>
@@ -3204,7 +3204,55 @@
         <p:spPr>
           <a:xfrm>
             <a:off x="826726" y="4479603"/>
-            <a:ext cx="6478271" cy="1644490"/>
+            <a:ext cx="6478271" cy="1644481"/>
+          </a:xfrm>
+          <a:prstGeom prst="rect">
+            <a:avLst/>
+          </a:prstGeom>
+        </p:spPr>
+      </p:pic>
+      <p:pic>
+        <p:nvPicPr>
+          <p:cNvPr id="13" name="Object 12"/>
+          <p:cNvPicPr>
+            <a:picLocks noChangeAspect="1"/>
+          </p:cNvPicPr>
+          <p:nvPr/>
+        </p:nvPicPr>
+        <p:blipFill>
+          <a:blip r:embed="rId7" cstate="print"/>
+          <a:stretch>
+            <a:fillRect/>
+          </a:stretch>
+        </p:blipFill>
+        <p:spPr>
+          <a:xfrm>
+            <a:off x="909621" y="5807583"/>
+            <a:ext cx="2162229" cy="709534"/>
+          </a:xfrm>
+          <a:prstGeom prst="rect">
+            <a:avLst/>
+          </a:prstGeom>
+        </p:spPr>
+      </p:pic>
+      <p:pic>
+        <p:nvPicPr>
+          <p:cNvPr id="14" name="Object 13"/>
+          <p:cNvPicPr>
+            <a:picLocks noChangeAspect="1"/>
+          </p:cNvPicPr>
+          <p:nvPr/>
+        </p:nvPicPr>
+        <p:blipFill>
+          <a:blip r:embed="rId8" cstate="print"/>
+          <a:stretch>
+            <a:fillRect/>
+          </a:stretch>
+        </p:blipFill>
+        <p:spPr>
+          <a:xfrm>
+            <a:off x="909621" y="6338966"/>
+            <a:ext cx="5878715" cy="709534"/>
           </a:xfrm>
           <a:prstGeom prst="rect">
             <a:avLst/>
@@ -3813,7 +3861,7 @@
         <p:spPr>
           <a:xfrm>
             <a:off x="11619094" y="8778809"/>
-            <a:ext cx="2046565" cy="787831"/>
+            <a:ext cx="2046574" cy="787831"/>
           </a:xfrm>
           <a:prstGeom prst="rect">
             <a:avLst/>
@@ -3942,18 +3990,9 @@
   <p:clrMapOvr>
     <a:masterClrMapping/>
   </p:clrMapOvr>
-  <mc:AlternateContent xmlns:mc="http://schemas.openxmlformats.org/markup-compatibility/2006">
-    <mc:Choice xmlns:p14="http://schemas.microsoft.com/office/powerpoint/2010/main" Requires="p14">
-      <p:transition spd="slow">
-        <p14:shred/>
-      </p:transition>
-    </mc:Choice>
-    <mc:Fallback>
-      <p:transition spd="slow">
-        <p:fade/>
-      </p:transition>
-    </mc:Fallback>
-  </mc:AlternateContent>
+  <p:transition spd="slow">
+    <p:wheel spokes="1"/>
+  </p:transition>
 </p:sld>
 </file>
 
@@ -4296,7 +4335,7 @@
         <p:spPr>
           <a:xfrm>
             <a:off x="497240" y="3473131"/>
-            <a:ext cx="2673393" cy="1014821"/>
+            <a:ext cx="2674250" cy="1014421"/>
           </a:xfrm>
           <a:prstGeom prst="rect">
             <a:avLst/>
@@ -4344,7 +4383,7 @@
         <p:spPr>
           <a:xfrm>
             <a:off x="639857" y="4974449"/>
-            <a:ext cx="7069415" cy="2467577"/>
+            <a:ext cx="7069320" cy="2461177"/>
           </a:xfrm>
           <a:prstGeom prst="rect">
             <a:avLst/>
@@ -4473,15 +4512,15 @@
   <p:clrMapOvr>
     <a:masterClrMapping/>
   </p:clrMapOvr>
-  <mc:AlternateContent xmlns:mc="http://schemas.openxmlformats.org/markup-compatibility/2006">
-    <mc:Choice xmlns:p14="http://schemas.microsoft.com/office/powerpoint/2010/main" Requires="p14">
-      <p:transition spd="slow" p14:dur="1200">
-        <p:dissolve/>
+  <mc:AlternateContent xmlns:mc="http://schemas.openxmlformats.org/markup-compatibility/2006" xmlns:p15="http://schemas.microsoft.com/office/powerpoint/2012/main">
+    <mc:Choice Requires="p15">
+      <p:transition xmlns:p14="http://schemas.microsoft.com/office/powerpoint/2010/main" spd="slow" p14:dur="1250">
+        <p15:prstTrans prst="peelOff"/>
       </p:transition>
     </mc:Choice>
-    <mc:Fallback>
+    <mc:Fallback xmlns="">
       <p:transition spd="slow">
-        <p:dissolve/>
+        <p:fade/>
       </p:transition>
     </mc:Fallback>
   </mc:AlternateContent>
@@ -4593,7 +4632,7 @@
         <p:spPr>
           <a:xfrm>
             <a:off x="617257" y="5285050"/>
-            <a:ext cx="8197876" cy="3326161"/>
+            <a:ext cx="8197943" cy="3321238"/>
           </a:xfrm>
           <a:prstGeom prst="rect">
             <a:avLst/>
@@ -4902,8 +4941,8 @@
   <p:clrMapOvr>
     <a:masterClrMapping/>
   </p:clrMapOvr>
-  <p:transition spd="slow">
-    <p:comb/>
+  <p:transition spd="med">
+    <p:pull/>
   </p:transition>
 </p:sld>
 </file>
@@ -5067,7 +5106,7 @@
         <p:spPr>
           <a:xfrm>
             <a:off x="231096" y="3768042"/>
-            <a:ext cx="2104288" cy="870879"/>
+            <a:ext cx="2104288" cy="869593"/>
           </a:xfrm>
           <a:prstGeom prst="rect">
             <a:avLst/>
@@ -5091,7 +5130,7 @@
         <p:spPr>
           <a:xfrm>
             <a:off x="267255" y="5149799"/>
-            <a:ext cx="7285365" cy="1849498"/>
+            <a:ext cx="7285460" cy="1849889"/>
           </a:xfrm>
           <a:prstGeom prst="rect">
             <a:avLst/>
@@ -5373,7 +5412,7 @@
         <p:spPr>
           <a:xfrm>
             <a:off x="8917990" y="5086581"/>
-            <a:ext cx="2210620" cy="663782"/>
+            <a:ext cx="2210582" cy="668896"/>
           </a:xfrm>
           <a:prstGeom prst="rect">
             <a:avLst/>
@@ -5397,7 +5436,7 @@
         <p:spPr>
           <a:xfrm>
             <a:off x="14109533" y="5086581"/>
-            <a:ext cx="2158211" cy="663782"/>
+            <a:ext cx="2158477" cy="668896"/>
           </a:xfrm>
           <a:prstGeom prst="rect">
             <a:avLst/>
@@ -5421,7 +5460,7 @@
         <p:spPr>
           <a:xfrm>
             <a:off x="8917994" y="8934332"/>
-            <a:ext cx="2081287" cy="663773"/>
+            <a:ext cx="2081354" cy="668896"/>
           </a:xfrm>
           <a:prstGeom prst="rect">
             <a:avLst/>
@@ -5445,7 +5484,7 @@
         <p:spPr>
           <a:xfrm>
             <a:off x="13984300" y="8883158"/>
-            <a:ext cx="2158211" cy="663773"/>
+            <a:ext cx="2158477" cy="668896"/>
           </a:xfrm>
           <a:prstGeom prst="rect">
             <a:avLst/>
@@ -5574,18 +5613,9 @@
   <p:clrMapOvr>
     <a:masterClrMapping/>
   </p:clrMapOvr>
-  <mc:AlternateContent xmlns:mc="http://schemas.openxmlformats.org/markup-compatibility/2006">
-    <mc:Choice xmlns:p14="http://schemas.microsoft.com/office/powerpoint/2010/main" Requires="p14">
-      <p:transition spd="slow" p14:dur="1600">
-        <p14:conveyor dir="l"/>
-      </p:transition>
-    </mc:Choice>
-    <mc:Fallback>
-      <p:transition spd="slow">
-        <p:fade/>
-      </p:transition>
-    </mc:Fallback>
-  </mc:AlternateContent>
+  <p:transition spd="slow">
+    <p:comb/>
+  </p:transition>
 </p:sld>
 </file>
 
@@ -5748,7 +5778,7 @@
         <p:spPr>
           <a:xfrm>
             <a:off x="4028554" y="1880823"/>
-            <a:ext cx="6660450" cy="957250"/>
+            <a:ext cx="6661136" cy="954288"/>
           </a:xfrm>
           <a:prstGeom prst="rect">
             <a:avLst/>
@@ -5888,8 +5918,8 @@
         </p:blipFill>
         <p:spPr>
           <a:xfrm rot="-60000">
-            <a:off x="2950136" y="1894601"/>
-            <a:ext cx="5869252" cy="3858157"/>
+            <a:off x="2950135" y="1894596"/>
+            <a:ext cx="5869871" cy="3857957"/>
           </a:xfrm>
           <a:prstGeom prst="rect">
             <a:avLst/>
@@ -6000,76 +6030,13 @@
       </p:grpSp>
       <p:grpSp>
         <p:nvGrpSpPr>
-          <p:cNvPr id="1009" name="그룹 1009"/>
+          <p:cNvPr id="1010" name="그룹 1010"/>
           <p:cNvGrpSpPr/>
           <p:nvPr/>
         </p:nvGrpSpPr>
         <p:grpSpPr>
           <a:xfrm>
-            <a:off x="2738741" y="6269293"/>
-            <a:ext cx="6171429" cy="2493068"/>
-            <a:chOff x="2738741" y="6269293"/>
-            <a:chExt cx="6171429" cy="2493068"/>
-          </a:xfrm>
-        </p:grpSpPr>
-        <p:pic>
-          <p:nvPicPr>
-            <p:cNvPr id="30" name="Object 29"/>
-            <p:cNvPicPr>
-              <a:picLocks noChangeAspect="1"/>
-            </p:cNvPicPr>
-            <p:nvPr/>
-          </p:nvPicPr>
-          <p:blipFill>
-            <a:blip r:embed="rId4" cstate="print"/>
-            <a:stretch>
-              <a:fillRect/>
-            </a:stretch>
-          </p:blipFill>
-          <p:spPr>
-            <a:xfrm>
-              <a:off x="2738741" y="6269293"/>
-              <a:ext cx="6171429" cy="2493068"/>
-            </a:xfrm>
-            <a:prstGeom prst="rect">
-              <a:avLst/>
-            </a:prstGeom>
-          </p:spPr>
-        </p:pic>
-      </p:grpSp>
-      <p:pic>
-        <p:nvPicPr>
-          <p:cNvPr id="32" name="Object 31"/>
-          <p:cNvPicPr>
-            <a:picLocks noChangeAspect="1"/>
-          </p:cNvPicPr>
-          <p:nvPr/>
-        </p:nvPicPr>
-        <p:blipFill>
-          <a:blip r:embed="rId13" cstate="print"/>
-          <a:stretch>
-            <a:fillRect/>
-          </a:stretch>
-        </p:blipFill>
-        <p:spPr>
-          <a:xfrm>
-            <a:off x="2248129" y="6844336"/>
-            <a:ext cx="5559836" cy="1347065"/>
-          </a:xfrm>
-          <a:prstGeom prst="rect">
-            <a:avLst/>
-          </a:prstGeom>
-        </p:spPr>
-      </p:pic>
-      <p:grpSp>
-        <p:nvGrpSpPr>
-          <p:cNvPr id="1010" name="그룹 1010"/>
-          <p:cNvGrpSpPr/>
-          <p:nvPr/>
-        </p:nvGrpSpPr>
-        <p:grpSpPr>
-          <a:xfrm>
-            <a:off x="9070248" y="6269293"/>
+            <a:off x="6005473" y="6355226"/>
             <a:ext cx="6171429" cy="2493068"/>
             <a:chOff x="9070248" y="6269293"/>
             <a:chExt cx="6171429" cy="2493068"/>
@@ -6084,7 +6051,7 @@
             <p:nvPr/>
           </p:nvPicPr>
           <p:blipFill>
-            <a:blip r:embed="rId14" cstate="print"/>
+            <a:blip r:embed="rId13" cstate="print"/>
             <a:stretch>
               <a:fillRect/>
             </a:stretch>
@@ -6123,7 +6090,7 @@
             <p:nvPr/>
           </p:nvPicPr>
           <p:blipFill>
-            <a:blip r:embed="rId14" cstate="print"/>
+            <a:blip r:embed="rId13" cstate="print"/>
             <a:stretch>
               <a:fillRect/>
             </a:stretch>
@@ -6148,7 +6115,7 @@
           <p:nvPr/>
         </p:nvPicPr>
         <p:blipFill>
-          <a:blip r:embed="rId15" cstate="print"/>
+          <a:blip r:embed="rId14" cstate="print"/>
           <a:stretch>
             <a:fillRect/>
           </a:stretch>
@@ -6156,7 +6123,7 @@
         <p:spPr>
           <a:xfrm>
             <a:off x="9091188" y="3196719"/>
-            <a:ext cx="6230868" cy="2662563"/>
+            <a:ext cx="6230953" cy="2662677"/>
           </a:xfrm>
           <a:prstGeom prst="rect">
             <a:avLst/>
@@ -6172,15 +6139,15 @@
           <p:nvPr/>
         </p:nvPicPr>
         <p:blipFill>
-          <a:blip r:embed="rId16" cstate="print"/>
+          <a:blip r:embed="rId15" cstate="print"/>
           <a:stretch>
             <a:fillRect/>
           </a:stretch>
         </p:blipFill>
         <p:spPr>
           <a:xfrm>
-            <a:off x="8814119" y="6715160"/>
-            <a:ext cx="4969044" cy="1196853"/>
+            <a:off x="5513885" y="6851227"/>
+            <a:ext cx="5623808" cy="1354770"/>
           </a:xfrm>
           <a:prstGeom prst="rect">
             <a:avLst/>
@@ -6192,13 +6159,13 @@
   <p:clrMapOvr>
     <a:masterClrMapping/>
   </p:clrMapOvr>
-  <mc:AlternateContent xmlns:mc="http://schemas.openxmlformats.org/markup-compatibility/2006">
-    <mc:Choice xmlns:p15="http://schemas.microsoft.com/office/powerpoint/2012/main" Requires="p15">
-      <p:transition xmlns:p14="http://schemas.microsoft.com/office/powerpoint/2010/main" spd="slow" p14:dur="1250">
-        <p15:prstTrans prst="peelOff"/>
+  <mc:AlternateContent xmlns:mc="http://schemas.openxmlformats.org/markup-compatibility/2006" xmlns:p14="http://schemas.microsoft.com/office/powerpoint/2010/main">
+    <mc:Choice Requires="p14">
+      <p:transition spd="slow" p14:dur="800">
+        <p14:flip dir="r"/>
       </p:transition>
     </mc:Choice>
-    <mc:Fallback>
+    <mc:Fallback xmlns="">
       <p:transition spd="slow">
         <p:fade/>
       </p:transition>
@@ -6684,15 +6651,15 @@
   <p:clrMapOvr>
     <a:masterClrMapping/>
   </p:clrMapOvr>
-  <mc:AlternateContent xmlns:mc="http://schemas.openxmlformats.org/markup-compatibility/2006">
-    <mc:Choice xmlns:p14="http://schemas.microsoft.com/office/powerpoint/2010/main" Requires="p14">
-      <p:transition spd="slow" p14:dur="1500">
-        <p:split orient="vert"/>
+  <mc:AlternateContent xmlns:mc="http://schemas.openxmlformats.org/markup-compatibility/2006" xmlns:p14="http://schemas.microsoft.com/office/powerpoint/2010/main">
+    <mc:Choice Requires="p14">
+      <p:transition spd="slow" p14:dur="800">
+        <p:circle/>
       </p:transition>
     </mc:Choice>
-    <mc:Fallback>
+    <mc:Fallback xmlns="">
       <p:transition spd="slow">
-        <p:split orient="vert"/>
+        <p:circle/>
       </p:transition>
     </mc:Fallback>
   </mc:AlternateContent>
